--- a/PPT/DTO(Data transfer object).pptx
+++ b/PPT/DTO(Data transfer object).pptx
@@ -8,6 +8,7 @@
     <p:sldId id="256" r:id="rId2"/>
     <p:sldId id="258" r:id="rId3"/>
     <p:sldId id="257" r:id="rId4"/>
+    <p:sldId id="259" r:id="rId5"/>
   </p:sldIdLst>
   <p:sldSz cx="12192000" cy="6858000"/>
   <p:notesSz cx="6858000" cy="9144000"/>
@@ -106,6 +107,11 @@
       </a:defRPr>
     </a:lvl9pPr>
   </p:defaultTextStyle>
+  <p:extLst>
+    <p:ext uri="{EFAFB233-063F-42B5-8137-9DF3F51BA10A}">
+      <p15:sldGuideLst xmlns:p15="http://schemas.microsoft.com/office/powerpoint/2012/main"/>
+    </p:ext>
+  </p:extLst>
 </p:presentation>
 </file>
 
@@ -271,7 +277,7 @@
           <a:p>
             <a:fld id="{ECD19FB2-3AAB-4D03-B13A-2960828C78E3}" type="datetimeFigureOut">
               <a:rPr lang="en-US" dirty="0"/>
-              <a:t>5/30/2020</a:t>
+              <a:t>6/1/2020</a:t>
             </a:fld>
             <a:endParaRPr lang="en-US" dirty="0"/>
           </a:p>
@@ -548,7 +554,7 @@
           <a:p>
             <a:fld id="{1B80C674-7DFC-42FE-B9CD-82963CDB1557}" type="datetimeFigureOut">
               <a:rPr lang="en-US" dirty="0"/>
-              <a:t>5/30/2020</a:t>
+              <a:t>6/1/2020</a:t>
             </a:fld>
             <a:endParaRPr lang="en-US" dirty="0"/>
           </a:p>
@@ -735,7 +741,7 @@
           <a:p>
             <a:fld id="{2076456F-F47D-4F25-8053-2A695DA0CA7D}" type="datetimeFigureOut">
               <a:rPr lang="en-US" dirty="0"/>
-              <a:t>5/30/2020</a:t>
+              <a:t>6/1/2020</a:t>
             </a:fld>
             <a:endParaRPr lang="en-US" dirty="0"/>
           </a:p>
@@ -991,7 +997,7 @@
           <a:p>
             <a:fld id="{5D6C7379-69CC-4837-9905-BEBA22830C8A}" type="datetimeFigureOut">
               <a:rPr lang="en-US" dirty="0"/>
-              <a:t>5/30/2020</a:t>
+              <a:t>6/1/2020</a:t>
             </a:fld>
             <a:endParaRPr lang="en-US" dirty="0"/>
           </a:p>
@@ -1412,7 +1418,7 @@
           <a:p>
             <a:fld id="{49EB8B7E-8AEE-4F10-BFEE-C999AD004D36}" type="datetimeFigureOut">
               <a:rPr lang="en-US" dirty="0"/>
-              <a:t>5/30/2020</a:t>
+              <a:t>6/1/2020</a:t>
             </a:fld>
             <a:endParaRPr lang="en-US" dirty="0"/>
           </a:p>
@@ -1953,7 +1959,7 @@
           <a:p>
             <a:fld id="{8668F3F9-58BC-440B-B37B-805B9055EF92}" type="datetimeFigureOut">
               <a:rPr lang="en-US" dirty="0"/>
-              <a:t>5/30/2020</a:t>
+              <a:t>6/1/2020</a:t>
             </a:fld>
             <a:endParaRPr lang="en-US" dirty="0"/>
           </a:p>
@@ -2779,7 +2785,7 @@
           <a:p>
             <a:fld id="{0D5A53AF-48EA-489D-8260-9DCAB666386A}" type="datetimeFigureOut">
               <a:rPr lang="en-US" dirty="0"/>
-              <a:t>5/30/2020</a:t>
+              <a:t>6/1/2020</a:t>
             </a:fld>
             <a:endParaRPr lang="en-US" dirty="0"/>
           </a:p>
@@ -2944,7 +2950,7 @@
           <a:p>
             <a:fld id="{0DED02AE-B9A4-47BD-AF8E-97E16144138B}" type="datetimeFigureOut">
               <a:rPr lang="en-US" dirty="0"/>
-              <a:t>5/30/2020</a:t>
+              <a:t>6/1/2020</a:t>
             </a:fld>
             <a:endParaRPr lang="en-US" dirty="0"/>
           </a:p>
@@ -3119,7 +3125,7 @@
           <a:p>
             <a:fld id="{CF0FD78B-DB02-4362-BCDC-98A55456977C}" type="datetimeFigureOut">
               <a:rPr lang="en-US" dirty="0"/>
-              <a:t>5/30/2020</a:t>
+              <a:t>6/1/2020</a:t>
             </a:fld>
             <a:endParaRPr lang="en-US" dirty="0"/>
           </a:p>
@@ -3284,7 +3290,7 @@
           <a:p>
             <a:fld id="{99916976-5D93-46E4-A98A-FAD63E4D0EA8}" type="datetimeFigureOut">
               <a:rPr lang="en-US" dirty="0"/>
-              <a:t>5/30/2020</a:t>
+              <a:t>6/1/2020</a:t>
             </a:fld>
             <a:endParaRPr lang="en-US" dirty="0"/>
           </a:p>
@@ -3536,7 +3542,7 @@
           <a:p>
             <a:fld id="{0F39F4F5-F4D2-4D2A-AB60-88D37ADCB869}" type="datetimeFigureOut">
               <a:rPr lang="en-US" dirty="0"/>
-              <a:t>5/30/2020</a:t>
+              <a:t>6/1/2020</a:t>
             </a:fld>
             <a:endParaRPr lang="en-US" dirty="0"/>
           </a:p>
@@ -3763,7 +3769,7 @@
           <a:p>
             <a:fld id="{D23BC6CE-6D1E-47E5-8859-F31AC5380EB2}" type="datetimeFigureOut">
               <a:rPr lang="en-US" dirty="0"/>
-              <a:t>5/30/2020</a:t>
+              <a:t>6/1/2020</a:t>
             </a:fld>
             <a:endParaRPr lang="en-US" dirty="0"/>
           </a:p>
@@ -4151,7 +4157,7 @@
           <a:p>
             <a:fld id="{B1B4E7C4-4DA4-404D-9965-B13F2DD7D8BF}" type="datetimeFigureOut">
               <a:rPr lang="en-US" dirty="0"/>
-              <a:t>5/30/2020</a:t>
+              <a:t>6/1/2020</a:t>
             </a:fld>
             <a:endParaRPr lang="en-US" dirty="0"/>
           </a:p>
@@ -4264,7 +4270,7 @@
           <a:p>
             <a:fld id="{476FB7AA-4A53-424F-AD41-70827B6504BA}" type="datetimeFigureOut">
               <a:rPr lang="en-US" dirty="0"/>
-              <a:t>5/30/2020</a:t>
+              <a:t>6/1/2020</a:t>
             </a:fld>
             <a:endParaRPr lang="en-US" dirty="0"/>
           </a:p>
@@ -4354,7 +4360,7 @@
           <a:p>
             <a:fld id="{E7884882-FB12-4BC8-9960-9AD8104D7FAE}" type="datetimeFigureOut">
               <a:rPr lang="en-US" dirty="0"/>
-              <a:t>5/30/2020</a:t>
+              <a:t>6/1/2020</a:t>
             </a:fld>
             <a:endParaRPr lang="en-US" dirty="0"/>
           </a:p>
@@ -4622,7 +4628,7 @@
           <a:p>
             <a:fld id="{F7D1BD23-6E54-4D9D-AD88-A2813C73CC25}" type="datetimeFigureOut">
               <a:rPr lang="en-US" dirty="0"/>
-              <a:t>5/30/2020</a:t>
+              <a:t>6/1/2020</a:t>
             </a:fld>
             <a:endParaRPr lang="en-US" dirty="0"/>
           </a:p>
@@ -4898,7 +4904,7 @@
           <a:p>
             <a:fld id="{1471A834-4F3C-4AF9-9C74-05EC35A0F292}" type="datetimeFigureOut">
               <a:rPr lang="en-US" dirty="0"/>
-              <a:t>5/30/2020</a:t>
+              <a:t>6/1/2020</a:t>
             </a:fld>
             <a:endParaRPr lang="en-US" dirty="0"/>
           </a:p>
@@ -5133,7 +5139,7 @@
           <a:p>
             <a:fld id="{51CF1133-3259-4C45-BABA-5B62D9C6F78D}" type="datetimeFigureOut">
               <a:rPr lang="en-US" dirty="0"/>
-              <a:t>5/30/2020</a:t>
+              <a:t>6/1/2020</a:t>
             </a:fld>
             <a:endParaRPr lang="en-US" dirty="0"/>
           </a:p>
@@ -5705,7 +5711,7 @@
         <p:spPr/>
         <p:txBody>
           <a:bodyPr>
-            <a:normAutofit/>
+            <a:normAutofit fontScale="90000"/>
           </a:bodyPr>
           <a:lstStyle/>
           <a:p>
@@ -5717,11 +5723,24 @@
               <a:rPr lang="en-IN" sz="7200" dirty="0">
                 <a:effectLst/>
               </a:rPr>
-              <a:t>Data transfer object</a:t>
+              <a:t>Data transfer </a:t>
+            </a:r>
+            <a:r>
+              <a:rPr lang="en-IN" sz="7200" dirty="0" smtClean="0">
+                <a:effectLst/>
+              </a:rPr>
+              <a:t>object</a:t>
             </a:r>
             <a:r>
               <a:rPr lang="en-IN" sz="7200" dirty="0" smtClean="0"/>
               <a:t>)</a:t>
+            </a:r>
+            <a:br>
+              <a:rPr lang="en-IN" sz="7200" dirty="0" smtClean="0"/>
+            </a:br>
+            <a:r>
+              <a:rPr lang="en-IN" sz="7200" dirty="0" smtClean="0"/>
+              <a:t>Part 2</a:t>
             </a:r>
             <a:endParaRPr lang="en-IN" sz="7200" dirty="0"/>
           </a:p>
@@ -7137,6 +7156,104 @@
     <p:extLst>
       <p:ext uri="{BB962C8B-B14F-4D97-AF65-F5344CB8AC3E}">
         <p14:creationId xmlns:p14="http://schemas.microsoft.com/office/powerpoint/2010/main" val="2350683888"/>
+      </p:ext>
+    </p:extLst>
+  </p:cSld>
+  <p:clrMapOvr>
+    <a:masterClrMapping/>
+  </p:clrMapOvr>
+  <p:timing>
+    <p:tnLst>
+      <p:par>
+        <p:cTn id="1" dur="indefinite" restart="never" nodeType="tmRoot"/>
+      </p:par>
+    </p:tnLst>
+  </p:timing>
+</p:sld>
+</file>
+
+<file path=ppt/slides/slide4.xml><?xml version="1.0" encoding="utf-8"?>
+<p:sld xmlns:a="http://schemas.openxmlformats.org/drawingml/2006/main" xmlns:r="http://schemas.openxmlformats.org/officeDocument/2006/relationships" xmlns:p="http://schemas.openxmlformats.org/presentationml/2006/main">
+  <p:cSld>
+    <p:spTree>
+      <p:nvGrpSpPr>
+        <p:cNvPr id="1" name=""/>
+        <p:cNvGrpSpPr/>
+        <p:nvPr/>
+      </p:nvGrpSpPr>
+      <p:grpSpPr>
+        <a:xfrm>
+          <a:off x="0" y="0"/>
+          <a:ext cx="0" cy="0"/>
+          <a:chOff x="0" y="0"/>
+          <a:chExt cx="0" cy="0"/>
+        </a:xfrm>
+      </p:grpSpPr>
+      <p:sp>
+        <p:nvSpPr>
+          <p:cNvPr id="2" name="Title 1"/>
+          <p:cNvSpPr>
+            <a:spLocks noGrp="1"/>
+          </p:cNvSpPr>
+          <p:nvPr>
+            <p:ph type="title"/>
+          </p:nvPr>
+        </p:nvSpPr>
+        <p:spPr/>
+        <p:txBody>
+          <a:bodyPr/>
+          <a:lstStyle/>
+          <a:p>
+            <a:r>
+              <a:rPr lang="en-IN" dirty="0" smtClean="0"/>
+              <a:t>Disadvantages</a:t>
+            </a:r>
+            <a:endParaRPr lang="en-IN" dirty="0"/>
+          </a:p>
+        </p:txBody>
+      </p:sp>
+      <p:sp>
+        <p:nvSpPr>
+          <p:cNvPr id="3" name="Content Placeholder 2"/>
+          <p:cNvSpPr>
+            <a:spLocks noGrp="1"/>
+          </p:cNvSpPr>
+          <p:nvPr>
+            <p:ph idx="1"/>
+          </p:nvPr>
+        </p:nvSpPr>
+        <p:spPr/>
+        <p:txBody>
+          <a:bodyPr/>
+          <a:lstStyle/>
+          <a:p>
+            <a:r>
+              <a:rPr lang="en-IN" dirty="0" smtClean="0"/>
+              <a:t>What if we add any new attribute to class??</a:t>
+            </a:r>
+          </a:p>
+          <a:p>
+            <a:r>
+              <a:rPr lang="en-IN" dirty="0" smtClean="0"/>
+              <a:t>What if there is more complicated mapping is their??</a:t>
+            </a:r>
+          </a:p>
+          <a:p>
+            <a:r>
+              <a:rPr lang="en-IN" dirty="0" err="1" smtClean="0"/>
+              <a:t>Dto.Getstudent.getAddress.getPincode</a:t>
+            </a:r>
+            <a:endParaRPr lang="en-IN" dirty="0" smtClean="0"/>
+          </a:p>
+          <a:p>
+            <a:endParaRPr lang="en-IN" dirty="0"/>
+          </a:p>
+        </p:txBody>
+      </p:sp>
+    </p:spTree>
+    <p:extLst>
+      <p:ext uri="{BB962C8B-B14F-4D97-AF65-F5344CB8AC3E}">
+        <p14:creationId xmlns:p14="http://schemas.microsoft.com/office/powerpoint/2010/main" val="1079361386"/>
       </p:ext>
     </p:extLst>
   </p:cSld>
